--- a/slide/themes/src/06_lines.pptx
+++ b/slide/themes/src/06_lines.pptx
@@ -11,7 +11,7 @@
   <p:notesSz cx="6858000" cy="9144000"/>
   <p:defaultTextStyle>
     <a:defPPr>
-      <a:defRPr lang="ru-RU"/>
+      <a:defRPr lang="en-US"/>
     </a:defPPr>
     <a:lvl1pPr marL="0" algn="l" defTabSz="914400" rtl="0" eaLnBrk="1" latinLnBrk="0" hangingPunct="1">
       <a:defRPr sz="1800" kern="1200">
@@ -140,7 +140,7 @@
       </p:grpSpPr>
       <p:sp>
         <p:nvSpPr>
-          <p:cNvPr id="8" name="Дата 4"/>
+          <p:cNvPr id="8" name="Date Placeholder 4"/>
           <p:cNvSpPr>
             <a:spLocks noGrp="1"/>
           </p:cNvSpPr>
@@ -170,17 +170,17 @@
           </a:lstStyle>
           <a:p>
             <a:fld id="{51E84241-D031-42DE-84E4-CC10C30232F4}" type="datetimeFigureOut">
-              <a:rPr lang="ru-RU" smtClean="0"/>
+              <a:rPr lang="en-US" smtClean="0"/>
               <a:pPr/>
               <a:t>22.10.2013</a:t>
             </a:fld>
-            <a:endParaRPr lang="ru-RU" dirty="0"/>
-          </a:p>
-        </p:txBody>
-      </p:sp>
-      <p:sp>
-        <p:nvSpPr>
-          <p:cNvPr id="9" name="Нижний колонтитул 5"/>
+            <a:endParaRPr lang="en-US" dirty="0"/>
+          </a:p>
+        </p:txBody>
+      </p:sp>
+      <p:sp>
+        <p:nvSpPr>
+          <p:cNvPr id="9" name="Footer Placeholder 5"/>
           <p:cNvSpPr>
             <a:spLocks noGrp="1"/>
           </p:cNvSpPr>
@@ -209,13 +209,13 @@
             </a:lvl1pPr>
           </a:lstStyle>
           <a:p>
-            <a:endParaRPr lang="ru-RU"/>
-          </a:p>
-        </p:txBody>
-      </p:sp>
-      <p:sp>
-        <p:nvSpPr>
-          <p:cNvPr id="10" name="Номер слайда 6"/>
+            <a:endParaRPr lang="en-US"/>
+          </a:p>
+        </p:txBody>
+      </p:sp>
+      <p:sp>
+        <p:nvSpPr>
+          <p:cNvPr id="10" name="Slide Number Placeholder 6"/>
           <p:cNvSpPr>
             <a:spLocks noGrp="1"/>
           </p:cNvSpPr>
@@ -245,11 +245,11 @@
           </a:lstStyle>
           <a:p>
             <a:fld id="{6B5AA3AA-5EA9-4976-BF6C-9891F6110747}" type="slidenum">
-              <a:rPr lang="ru-RU" smtClean="0"/>
+              <a:rPr lang="en-US" smtClean="0"/>
               <a:pPr/>
               <a:t>‹#›</a:t>
             </a:fld>
-            <a:endParaRPr lang="ru-RU"/>
+            <a:endParaRPr lang="en-US"/>
           </a:p>
         </p:txBody>
       </p:sp>
@@ -368,8 +368,8 @@
           </a:lstStyle>
           <a:p>
             <a:r>
-              <a:rPr lang="ru-RU" dirty="0" smtClean="0"/>
-              <a:t>Образец подзаголовка</a:t>
+              <a:rPr lang="en-US" dirty="0" smtClean="0"/>
+              <a:t>Click to edit Master subtitle style</a:t>
             </a:r>
             <a:endParaRPr lang="en-US" dirty="0"/>
           </a:p>
@@ -406,8 +406,8 @@
           </a:lstStyle>
           <a:p>
             <a:r>
-              <a:rPr lang="ru-RU" dirty="0" smtClean="0"/>
-              <a:t>Образец заголовка</a:t>
+              <a:rPr lang="en-US" dirty="0" smtClean="0"/>
+              <a:t>Click to edit Master title style</a:t>
             </a:r>
             <a:endParaRPr lang="en-US" dirty="0"/>
           </a:p>
@@ -476,36 +476,36 @@
           <a:p>
             <a:pPr lvl="0"/>
             <a:r>
-              <a:rPr lang="ru-RU" smtClean="0"/>
-              <a:t>Образец текста</a:t>
+              <a:rPr lang="en-US" smtClean="0"/>
+              <a:t>Click to edit Master text styles</a:t>
             </a:r>
           </a:p>
           <a:p>
             <a:pPr lvl="1"/>
             <a:r>
-              <a:rPr lang="ru-RU" smtClean="0"/>
-              <a:t>Второй уровень</a:t>
+              <a:rPr lang="en-US" smtClean="0"/>
+              <a:t>Second level</a:t>
             </a:r>
           </a:p>
           <a:p>
             <a:pPr lvl="2"/>
             <a:r>
-              <a:rPr lang="ru-RU" smtClean="0"/>
-              <a:t>Третий уровень</a:t>
+              <a:rPr lang="en-US" smtClean="0"/>
+              <a:t>Third level</a:t>
             </a:r>
           </a:p>
           <a:p>
             <a:pPr lvl="3"/>
             <a:r>
-              <a:rPr lang="ru-RU" smtClean="0"/>
-              <a:t>Четвертый уровень</a:t>
+              <a:rPr lang="en-US" smtClean="0"/>
+              <a:t>Fourth level</a:t>
             </a:r>
           </a:p>
           <a:p>
             <a:pPr lvl="4"/>
             <a:r>
-              <a:rPr lang="ru-RU" smtClean="0"/>
-              <a:t>Пятый уровень</a:t>
+              <a:rPr lang="en-US" smtClean="0"/>
+              <a:t>Fifth level</a:t>
             </a:r>
             <a:endParaRPr lang="en-US" dirty="0"/>
           </a:p>
@@ -513,7 +513,7 @@
       </p:sp>
       <p:sp>
         <p:nvSpPr>
-          <p:cNvPr id="8" name="Дата 4"/>
+          <p:cNvPr id="8" name="Date Placeholder 4"/>
           <p:cNvSpPr>
             <a:spLocks noGrp="1"/>
           </p:cNvSpPr>
@@ -543,17 +543,17 @@
           </a:lstStyle>
           <a:p>
             <a:fld id="{51E84241-D031-42DE-84E4-CC10C30232F4}" type="datetimeFigureOut">
-              <a:rPr lang="ru-RU" smtClean="0"/>
+              <a:rPr lang="en-US" smtClean="0"/>
               <a:pPr/>
               <a:t>22.10.2013</a:t>
             </a:fld>
-            <a:endParaRPr lang="ru-RU" dirty="0"/>
-          </a:p>
-        </p:txBody>
-      </p:sp>
-      <p:sp>
-        <p:nvSpPr>
-          <p:cNvPr id="9" name="Нижний колонтитул 5"/>
+            <a:endParaRPr lang="en-US" dirty="0"/>
+          </a:p>
+        </p:txBody>
+      </p:sp>
+      <p:sp>
+        <p:nvSpPr>
+          <p:cNvPr id="9" name="Footer Placeholder 5"/>
           <p:cNvSpPr>
             <a:spLocks noGrp="1"/>
           </p:cNvSpPr>
@@ -582,13 +582,13 @@
             </a:lvl1pPr>
           </a:lstStyle>
           <a:p>
-            <a:endParaRPr lang="ru-RU"/>
-          </a:p>
-        </p:txBody>
-      </p:sp>
-      <p:sp>
-        <p:nvSpPr>
-          <p:cNvPr id="10" name="Номер слайда 6"/>
+            <a:endParaRPr lang="en-US"/>
+          </a:p>
+        </p:txBody>
+      </p:sp>
+      <p:sp>
+        <p:nvSpPr>
+          <p:cNvPr id="10" name="Slide Number Placeholder 6"/>
           <p:cNvSpPr>
             <a:spLocks noGrp="1"/>
           </p:cNvSpPr>
@@ -618,11 +618,11 @@
           </a:lstStyle>
           <a:p>
             <a:fld id="{6B5AA3AA-5EA9-4976-BF6C-9891F6110747}" type="slidenum">
-              <a:rPr lang="ru-RU" smtClean="0"/>
+              <a:rPr lang="en-US" smtClean="0"/>
               <a:pPr/>
               <a:t>‹#›</a:t>
             </a:fld>
-            <a:endParaRPr lang="ru-RU"/>
+            <a:endParaRPr lang="en-US"/>
           </a:p>
         </p:txBody>
       </p:sp>
@@ -642,8 +642,8 @@
           <a:lstStyle/>
           <a:p>
             <a:r>
-              <a:rPr lang="ru-RU" smtClean="0"/>
-              <a:t>Образец заголовка</a:t>
+              <a:rPr lang="en-US" smtClean="0"/>
+              <a:t>Click to edit Master title style</a:t>
             </a:r>
             <a:endParaRPr lang="en-US"/>
           </a:p>
@@ -810,8 +810,8 @@
           <a:p>
             <a:pPr lvl="0"/>
             <a:r>
-              <a:rPr lang="ru-RU" smtClean="0"/>
-              <a:t>Образец текста</a:t>
+              <a:rPr lang="en-US" smtClean="0"/>
+              <a:t>Click to edit Master text styles</a:t>
             </a:r>
           </a:p>
         </p:txBody>
@@ -837,8 +837,8 @@
           <a:lstStyle/>
           <a:p>
             <a:r>
-              <a:rPr lang="ru-RU" smtClean="0"/>
-              <a:t>Образец заголовка</a:t>
+              <a:rPr lang="en-US" smtClean="0"/>
+              <a:t>Click to edit Master title style</a:t>
             </a:r>
             <a:endParaRPr lang="en-US" dirty="0"/>
           </a:p>
@@ -846,7 +846,7 @@
       </p:sp>
       <p:sp>
         <p:nvSpPr>
-          <p:cNvPr id="8" name="Дата 4"/>
+          <p:cNvPr id="8" name="Date Placeholder 4"/>
           <p:cNvSpPr>
             <a:spLocks noGrp="1"/>
           </p:cNvSpPr>
@@ -876,17 +876,17 @@
           </a:lstStyle>
           <a:p>
             <a:fld id="{51E84241-D031-42DE-84E4-CC10C30232F4}" type="datetimeFigureOut">
-              <a:rPr lang="ru-RU" smtClean="0"/>
+              <a:rPr lang="en-US" smtClean="0"/>
               <a:pPr/>
               <a:t>22.10.2013</a:t>
             </a:fld>
-            <a:endParaRPr lang="ru-RU" dirty="0"/>
-          </a:p>
-        </p:txBody>
-      </p:sp>
-      <p:sp>
-        <p:nvSpPr>
-          <p:cNvPr id="9" name="Нижний колонтитул 5"/>
+            <a:endParaRPr lang="en-US" dirty="0"/>
+          </a:p>
+        </p:txBody>
+      </p:sp>
+      <p:sp>
+        <p:nvSpPr>
+          <p:cNvPr id="9" name="Footer Placeholder 5"/>
           <p:cNvSpPr>
             <a:spLocks noGrp="1"/>
           </p:cNvSpPr>
@@ -915,13 +915,13 @@
             </a:lvl1pPr>
           </a:lstStyle>
           <a:p>
-            <a:endParaRPr lang="ru-RU"/>
-          </a:p>
-        </p:txBody>
-      </p:sp>
-      <p:sp>
-        <p:nvSpPr>
-          <p:cNvPr id="10" name="Номер слайда 6"/>
+            <a:endParaRPr lang="en-US"/>
+          </a:p>
+        </p:txBody>
+      </p:sp>
+      <p:sp>
+        <p:nvSpPr>
+          <p:cNvPr id="10" name="Slide Number Placeholder 6"/>
           <p:cNvSpPr>
             <a:spLocks noGrp="1"/>
           </p:cNvSpPr>
@@ -951,11 +951,11 @@
           </a:lstStyle>
           <a:p>
             <a:fld id="{6B5AA3AA-5EA9-4976-BF6C-9891F6110747}" type="slidenum">
-              <a:rPr lang="ru-RU" smtClean="0"/>
+              <a:rPr lang="en-US" smtClean="0"/>
               <a:pPr/>
               <a:t>‹#›</a:t>
             </a:fld>
-            <a:endParaRPr lang="ru-RU"/>
+            <a:endParaRPr lang="en-US"/>
           </a:p>
         </p:txBody>
       </p:sp>
@@ -1029,8 +1029,8 @@
           </a:lstStyle>
           <a:p>
             <a:r>
-              <a:rPr lang="ru-RU" smtClean="0"/>
-              <a:t>Образец заголовка</a:t>
+              <a:rPr lang="en-US" smtClean="0"/>
+              <a:t>Click to edit Master title style</a:t>
             </a:r>
             <a:endParaRPr lang="en-US" dirty="0"/>
           </a:p>
@@ -1038,7 +1038,7 @@
       </p:sp>
       <p:sp>
         <p:nvSpPr>
-          <p:cNvPr id="8" name="Дата 4"/>
+          <p:cNvPr id="8" name="Date Placeholder 4"/>
           <p:cNvSpPr>
             <a:spLocks noGrp="1"/>
           </p:cNvSpPr>
@@ -1068,17 +1068,17 @@
           </a:lstStyle>
           <a:p>
             <a:fld id="{51E84241-D031-42DE-84E4-CC10C30232F4}" type="datetimeFigureOut">
-              <a:rPr lang="ru-RU" smtClean="0"/>
+              <a:rPr lang="en-US" smtClean="0"/>
               <a:pPr/>
               <a:t>22.10.2013</a:t>
             </a:fld>
-            <a:endParaRPr lang="ru-RU" dirty="0"/>
-          </a:p>
-        </p:txBody>
-      </p:sp>
-      <p:sp>
-        <p:nvSpPr>
-          <p:cNvPr id="9" name="Нижний колонтитул 5"/>
+            <a:endParaRPr lang="en-US" dirty="0"/>
+          </a:p>
+        </p:txBody>
+      </p:sp>
+      <p:sp>
+        <p:nvSpPr>
+          <p:cNvPr id="9" name="Footer Placeholder 5"/>
           <p:cNvSpPr>
             <a:spLocks noGrp="1"/>
           </p:cNvSpPr>
@@ -1107,13 +1107,13 @@
             </a:lvl1pPr>
           </a:lstStyle>
           <a:p>
-            <a:endParaRPr lang="ru-RU"/>
-          </a:p>
-        </p:txBody>
-      </p:sp>
-      <p:sp>
-        <p:nvSpPr>
-          <p:cNvPr id="10" name="Номер слайда 6"/>
+            <a:endParaRPr lang="en-US"/>
+          </a:p>
+        </p:txBody>
+      </p:sp>
+      <p:sp>
+        <p:nvSpPr>
+          <p:cNvPr id="10" name="Slide Number Placeholder 6"/>
           <p:cNvSpPr>
             <a:spLocks noGrp="1"/>
           </p:cNvSpPr>
@@ -1143,11 +1143,11 @@
           </a:lstStyle>
           <a:p>
             <a:fld id="{6B5AA3AA-5EA9-4976-BF6C-9891F6110747}" type="slidenum">
-              <a:rPr lang="ru-RU" smtClean="0"/>
+              <a:rPr lang="en-US" smtClean="0"/>
               <a:pPr/>
               <a:t>‹#›</a:t>
             </a:fld>
-            <a:endParaRPr lang="ru-RU"/>
+            <a:endParaRPr lang="en-US"/>
           </a:p>
         </p:txBody>
       </p:sp>
@@ -1204,36 +1204,36 @@
           <a:p>
             <a:pPr lvl="0"/>
             <a:r>
-              <a:rPr lang="ru-RU" smtClean="0"/>
-              <a:t>Образец текста</a:t>
+              <a:rPr lang="en-US" smtClean="0"/>
+              <a:t>Click to edit Master text styles</a:t>
             </a:r>
           </a:p>
           <a:p>
             <a:pPr lvl="1"/>
             <a:r>
-              <a:rPr lang="ru-RU" smtClean="0"/>
-              <a:t>Второй уровень</a:t>
+              <a:rPr lang="en-US" smtClean="0"/>
+              <a:t>Second level</a:t>
             </a:r>
           </a:p>
           <a:p>
             <a:pPr lvl="2"/>
             <a:r>
-              <a:rPr lang="ru-RU" smtClean="0"/>
-              <a:t>Третий уровень</a:t>
+              <a:rPr lang="en-US" smtClean="0"/>
+              <a:t>Third level</a:t>
             </a:r>
           </a:p>
           <a:p>
             <a:pPr lvl="3"/>
             <a:r>
-              <a:rPr lang="ru-RU" smtClean="0"/>
-              <a:t>Четвертый уровень</a:t>
+              <a:rPr lang="en-US" smtClean="0"/>
+              <a:t>Fourth level</a:t>
             </a:r>
           </a:p>
           <a:p>
             <a:pPr lvl="4"/>
             <a:r>
-              <a:rPr lang="ru-RU" smtClean="0"/>
-              <a:t>Пятый уровень</a:t>
+              <a:rPr lang="en-US" smtClean="0"/>
+              <a:t>Fifth level</a:t>
             </a:r>
             <a:endParaRPr lang="en-US" dirty="0"/>
           </a:p>
@@ -1292,36 +1292,36 @@
           <a:p>
             <a:pPr lvl="0"/>
             <a:r>
-              <a:rPr lang="ru-RU" smtClean="0"/>
-              <a:t>Образец текста</a:t>
+              <a:rPr lang="en-US" smtClean="0"/>
+              <a:t>Click to edit Master text styles</a:t>
             </a:r>
           </a:p>
           <a:p>
             <a:pPr lvl="1"/>
             <a:r>
-              <a:rPr lang="ru-RU" smtClean="0"/>
-              <a:t>Второй уровень</a:t>
+              <a:rPr lang="en-US" smtClean="0"/>
+              <a:t>Second level</a:t>
             </a:r>
           </a:p>
           <a:p>
             <a:pPr lvl="2"/>
             <a:r>
-              <a:rPr lang="ru-RU" smtClean="0"/>
-              <a:t>Третий уровень</a:t>
+              <a:rPr lang="en-US" smtClean="0"/>
+              <a:t>Third level</a:t>
             </a:r>
           </a:p>
           <a:p>
             <a:pPr lvl="3"/>
             <a:r>
-              <a:rPr lang="ru-RU" smtClean="0"/>
-              <a:t>Четвертый уровень</a:t>
+              <a:rPr lang="en-US" smtClean="0"/>
+              <a:t>Fourth level</a:t>
             </a:r>
           </a:p>
           <a:p>
             <a:pPr lvl="4"/>
             <a:r>
-              <a:rPr lang="ru-RU" smtClean="0"/>
-              <a:t>Пятый уровень</a:t>
+              <a:rPr lang="en-US" smtClean="0"/>
+              <a:t>Fifth level</a:t>
             </a:r>
             <a:endParaRPr lang="en-US" dirty="0"/>
           </a:p>
@@ -1393,8 +1393,8 @@
           </a:lstStyle>
           <a:p>
             <a:r>
-              <a:rPr lang="ru-RU" smtClean="0"/>
-              <a:t>Образец заголовка</a:t>
+              <a:rPr lang="en-US" smtClean="0"/>
+              <a:t>Click to edit Master title style</a:t>
             </a:r>
             <a:endParaRPr lang="en-US" dirty="0"/>
           </a:p>
@@ -1465,8 +1465,8 @@
           <a:p>
             <a:pPr lvl="0"/>
             <a:r>
-              <a:rPr lang="ru-RU" smtClean="0"/>
-              <a:t>Образец текста</a:t>
+              <a:rPr lang="en-US" smtClean="0"/>
+              <a:t>Click to edit Master text styles</a:t>
             </a:r>
           </a:p>
         </p:txBody>
@@ -1524,36 +1524,36 @@
           <a:p>
             <a:pPr lvl="0"/>
             <a:r>
-              <a:rPr lang="ru-RU" smtClean="0"/>
-              <a:t>Образец текста</a:t>
+              <a:rPr lang="en-US" smtClean="0"/>
+              <a:t>Click to edit Master text styles</a:t>
             </a:r>
           </a:p>
           <a:p>
             <a:pPr lvl="1"/>
             <a:r>
-              <a:rPr lang="ru-RU" smtClean="0"/>
-              <a:t>Второй уровень</a:t>
+              <a:rPr lang="en-US" smtClean="0"/>
+              <a:t>Second level</a:t>
             </a:r>
           </a:p>
           <a:p>
             <a:pPr lvl="2"/>
             <a:r>
-              <a:rPr lang="ru-RU" smtClean="0"/>
-              <a:t>Третий уровень</a:t>
+              <a:rPr lang="en-US" smtClean="0"/>
+              <a:t>Third level</a:t>
             </a:r>
           </a:p>
           <a:p>
             <a:pPr lvl="3"/>
             <a:r>
-              <a:rPr lang="ru-RU" smtClean="0"/>
-              <a:t>Четвертый уровень</a:t>
+              <a:rPr lang="en-US" smtClean="0"/>
+              <a:t>Fourth level</a:t>
             </a:r>
           </a:p>
           <a:p>
             <a:pPr lvl="4"/>
             <a:r>
-              <a:rPr lang="ru-RU" smtClean="0"/>
-              <a:t>Пятый уровень</a:t>
+              <a:rPr lang="en-US" smtClean="0"/>
+              <a:t>Fifth level</a:t>
             </a:r>
             <a:endParaRPr lang="en-US" dirty="0"/>
           </a:p>
@@ -1624,15 +1624,15 @@
           <a:p>
             <a:pPr lvl="0"/>
             <a:r>
-              <a:rPr lang="ru-RU" smtClean="0"/>
-              <a:t>Образец текста</a:t>
-            </a:r>
-          </a:p>
-        </p:txBody>
-      </p:sp>
-      <p:sp>
-        <p:nvSpPr>
-          <p:cNvPr id="8" name="Дата 4"/>
+              <a:rPr lang="en-US" smtClean="0"/>
+              <a:t>Click to edit Master text styles</a:t>
+            </a:r>
+          </a:p>
+        </p:txBody>
+      </p:sp>
+      <p:sp>
+        <p:nvSpPr>
+          <p:cNvPr id="8" name="Date Placeholder 4"/>
           <p:cNvSpPr>
             <a:spLocks noGrp="1"/>
           </p:cNvSpPr>
@@ -1662,17 +1662,17 @@
           </a:lstStyle>
           <a:p>
             <a:fld id="{51E84241-D031-42DE-84E4-CC10C30232F4}" type="datetimeFigureOut">
-              <a:rPr lang="ru-RU" smtClean="0"/>
+              <a:rPr lang="en-US" smtClean="0"/>
               <a:pPr/>
               <a:t>22.10.2013</a:t>
             </a:fld>
-            <a:endParaRPr lang="ru-RU" dirty="0"/>
-          </a:p>
-        </p:txBody>
-      </p:sp>
-      <p:sp>
-        <p:nvSpPr>
-          <p:cNvPr id="9" name="Нижний колонтитул 5"/>
+            <a:endParaRPr lang="en-US" dirty="0"/>
+          </a:p>
+        </p:txBody>
+      </p:sp>
+      <p:sp>
+        <p:nvSpPr>
+          <p:cNvPr id="9" name="Footer Placeholder 5"/>
           <p:cNvSpPr>
             <a:spLocks noGrp="1"/>
           </p:cNvSpPr>
@@ -1701,13 +1701,13 @@
             </a:lvl1pPr>
           </a:lstStyle>
           <a:p>
-            <a:endParaRPr lang="ru-RU"/>
-          </a:p>
-        </p:txBody>
-      </p:sp>
-      <p:sp>
-        <p:nvSpPr>
-          <p:cNvPr id="10" name="Номер слайда 6"/>
+            <a:endParaRPr lang="en-US"/>
+          </a:p>
+        </p:txBody>
+      </p:sp>
+      <p:sp>
+        <p:nvSpPr>
+          <p:cNvPr id="10" name="Slide Number Placeholder 6"/>
           <p:cNvSpPr>
             <a:spLocks noGrp="1"/>
           </p:cNvSpPr>
@@ -1737,11 +1737,11 @@
           </a:lstStyle>
           <a:p>
             <a:fld id="{6B5AA3AA-5EA9-4976-BF6C-9891F6110747}" type="slidenum">
-              <a:rPr lang="ru-RU" smtClean="0"/>
+              <a:rPr lang="en-US" smtClean="0"/>
               <a:pPr/>
               <a:t>‹#›</a:t>
             </a:fld>
-            <a:endParaRPr lang="ru-RU"/>
+            <a:endParaRPr lang="en-US"/>
           </a:p>
         </p:txBody>
       </p:sp>
@@ -1798,36 +1798,36 @@
           <a:p>
             <a:pPr lvl="0"/>
             <a:r>
-              <a:rPr lang="ru-RU" smtClean="0"/>
-              <a:t>Образец текста</a:t>
+              <a:rPr lang="en-US" smtClean="0"/>
+              <a:t>Click to edit Master text styles</a:t>
             </a:r>
           </a:p>
           <a:p>
             <a:pPr lvl="1"/>
             <a:r>
-              <a:rPr lang="ru-RU" smtClean="0"/>
-              <a:t>Второй уровень</a:t>
+              <a:rPr lang="en-US" smtClean="0"/>
+              <a:t>Second level</a:t>
             </a:r>
           </a:p>
           <a:p>
             <a:pPr lvl="2"/>
             <a:r>
-              <a:rPr lang="ru-RU" smtClean="0"/>
-              <a:t>Третий уровень</a:t>
+              <a:rPr lang="en-US" smtClean="0"/>
+              <a:t>Third level</a:t>
             </a:r>
           </a:p>
           <a:p>
             <a:pPr lvl="3"/>
             <a:r>
-              <a:rPr lang="ru-RU" smtClean="0"/>
-              <a:t>Четвертый уровень</a:t>
+              <a:rPr lang="en-US" smtClean="0"/>
+              <a:t>Fourth level</a:t>
             </a:r>
           </a:p>
           <a:p>
             <a:pPr lvl="4"/>
             <a:r>
-              <a:rPr lang="ru-RU" smtClean="0"/>
-              <a:t>Пятый уровень</a:t>
+              <a:rPr lang="en-US" smtClean="0"/>
+              <a:t>Fifth level</a:t>
             </a:r>
             <a:endParaRPr lang="en-US" dirty="0"/>
           </a:p>
@@ -1895,8 +1895,8 @@
           <a:lstStyle/>
           <a:p>
             <a:r>
-              <a:rPr lang="ru-RU" smtClean="0"/>
-              <a:t>Образец заголовка</a:t>
+              <a:rPr lang="en-US" smtClean="0"/>
+              <a:t>Click to edit Master title style</a:t>
             </a:r>
             <a:endParaRPr lang="en-US" dirty="0"/>
           </a:p>
@@ -1904,7 +1904,7 @@
       </p:sp>
       <p:sp>
         <p:nvSpPr>
-          <p:cNvPr id="8" name="Дата 4"/>
+          <p:cNvPr id="8" name="Date Placeholder 4"/>
           <p:cNvSpPr>
             <a:spLocks noGrp="1"/>
           </p:cNvSpPr>
@@ -1934,17 +1934,17 @@
           </a:lstStyle>
           <a:p>
             <a:fld id="{51E84241-D031-42DE-84E4-CC10C30232F4}" type="datetimeFigureOut">
-              <a:rPr lang="ru-RU" smtClean="0"/>
+              <a:rPr lang="en-US" smtClean="0"/>
               <a:pPr/>
               <a:t>22.10.2013</a:t>
             </a:fld>
-            <a:endParaRPr lang="ru-RU" dirty="0"/>
-          </a:p>
-        </p:txBody>
-      </p:sp>
-      <p:sp>
-        <p:nvSpPr>
-          <p:cNvPr id="9" name="Нижний колонтитул 5"/>
+            <a:endParaRPr lang="en-US" dirty="0"/>
+          </a:p>
+        </p:txBody>
+      </p:sp>
+      <p:sp>
+        <p:nvSpPr>
+          <p:cNvPr id="9" name="Footer Placeholder 5"/>
           <p:cNvSpPr>
             <a:spLocks noGrp="1"/>
           </p:cNvSpPr>
@@ -1973,13 +1973,13 @@
             </a:lvl1pPr>
           </a:lstStyle>
           <a:p>
-            <a:endParaRPr lang="ru-RU"/>
-          </a:p>
-        </p:txBody>
-      </p:sp>
-      <p:sp>
-        <p:nvSpPr>
-          <p:cNvPr id="10" name="Номер слайда 6"/>
+            <a:endParaRPr lang="en-US"/>
+          </a:p>
+        </p:txBody>
+      </p:sp>
+      <p:sp>
+        <p:nvSpPr>
+          <p:cNvPr id="10" name="Slide Number Placeholder 6"/>
           <p:cNvSpPr>
             <a:spLocks noGrp="1"/>
           </p:cNvSpPr>
@@ -2009,11 +2009,11 @@
           </a:lstStyle>
           <a:p>
             <a:fld id="{6B5AA3AA-5EA9-4976-BF6C-9891F6110747}" type="slidenum">
-              <a:rPr lang="ru-RU" smtClean="0"/>
+              <a:rPr lang="en-US" smtClean="0"/>
               <a:pPr/>
               <a:t>‹#›</a:t>
             </a:fld>
-            <a:endParaRPr lang="ru-RU"/>
+            <a:endParaRPr lang="en-US"/>
           </a:p>
         </p:txBody>
       </p:sp>
@@ -2065,7 +2065,7 @@
       </p:grpSpPr>
       <p:sp>
         <p:nvSpPr>
-          <p:cNvPr id="8" name="Дата 4"/>
+          <p:cNvPr id="8" name="Date Placeholder 4"/>
           <p:cNvSpPr>
             <a:spLocks noGrp="1"/>
           </p:cNvSpPr>
@@ -2095,17 +2095,17 @@
           </a:lstStyle>
           <a:p>
             <a:fld id="{51E84241-D031-42DE-84E4-CC10C30232F4}" type="datetimeFigureOut">
-              <a:rPr lang="ru-RU" smtClean="0"/>
+              <a:rPr lang="en-US" smtClean="0"/>
               <a:pPr/>
               <a:t>22.10.2013</a:t>
             </a:fld>
-            <a:endParaRPr lang="ru-RU" dirty="0"/>
-          </a:p>
-        </p:txBody>
-      </p:sp>
-      <p:sp>
-        <p:nvSpPr>
-          <p:cNvPr id="9" name="Нижний колонтитул 5"/>
+            <a:endParaRPr lang="en-US" dirty="0"/>
+          </a:p>
+        </p:txBody>
+      </p:sp>
+      <p:sp>
+        <p:nvSpPr>
+          <p:cNvPr id="9" name="Footer Placeholder 5"/>
           <p:cNvSpPr>
             <a:spLocks noGrp="1"/>
           </p:cNvSpPr>
@@ -2134,13 +2134,13 @@
             </a:lvl1pPr>
           </a:lstStyle>
           <a:p>
-            <a:endParaRPr lang="ru-RU"/>
-          </a:p>
-        </p:txBody>
-      </p:sp>
-      <p:sp>
-        <p:nvSpPr>
-          <p:cNvPr id="10" name="Номер слайда 6"/>
+            <a:endParaRPr lang="en-US"/>
+          </a:p>
+        </p:txBody>
+      </p:sp>
+      <p:sp>
+        <p:nvSpPr>
+          <p:cNvPr id="10" name="Slide Number Placeholder 6"/>
           <p:cNvSpPr>
             <a:spLocks noGrp="1"/>
           </p:cNvSpPr>
@@ -2170,11 +2170,11 @@
           </a:lstStyle>
           <a:p>
             <a:fld id="{6B5AA3AA-5EA9-4976-BF6C-9891F6110747}" type="slidenum">
-              <a:rPr lang="ru-RU" smtClean="0"/>
+              <a:rPr lang="en-US" smtClean="0"/>
               <a:pPr/>
               <a:t>‹#›</a:t>
             </a:fld>
-            <a:endParaRPr lang="ru-RU"/>
+            <a:endParaRPr lang="en-US"/>
           </a:p>
         </p:txBody>
       </p:sp>
@@ -2249,8 +2249,8 @@
           </a:lstStyle>
           <a:p>
             <a:r>
-              <a:rPr lang="ru-RU" smtClean="0"/>
-              <a:t>Образец заголовка</a:t>
+              <a:rPr lang="en-US" smtClean="0"/>
+              <a:t>Click to edit Master title style</a:t>
             </a:r>
             <a:endParaRPr lang="en-US"/>
           </a:p>
@@ -2306,36 +2306,36 @@
           <a:p>
             <a:pPr lvl="0"/>
             <a:r>
-              <a:rPr lang="ru-RU" smtClean="0"/>
-              <a:t>Образец текста</a:t>
+              <a:rPr lang="en-US" smtClean="0"/>
+              <a:t>Click to edit Master text styles</a:t>
             </a:r>
           </a:p>
           <a:p>
             <a:pPr lvl="1"/>
             <a:r>
-              <a:rPr lang="ru-RU" smtClean="0"/>
-              <a:t>Второй уровень</a:t>
+              <a:rPr lang="en-US" smtClean="0"/>
+              <a:t>Second level</a:t>
             </a:r>
           </a:p>
           <a:p>
             <a:pPr lvl="2"/>
             <a:r>
-              <a:rPr lang="ru-RU" smtClean="0"/>
-              <a:t>Третий уровень</a:t>
+              <a:rPr lang="en-US" smtClean="0"/>
+              <a:t>Third level</a:t>
             </a:r>
           </a:p>
           <a:p>
             <a:pPr lvl="3"/>
             <a:r>
-              <a:rPr lang="ru-RU" smtClean="0"/>
-              <a:t>Четвертый уровень</a:t>
+              <a:rPr lang="en-US" smtClean="0"/>
+              <a:t>Fourth level</a:t>
             </a:r>
           </a:p>
           <a:p>
             <a:pPr lvl="4"/>
             <a:r>
-              <a:rPr lang="ru-RU" smtClean="0"/>
-              <a:t>Пятый уровень</a:t>
+              <a:rPr lang="en-US" smtClean="0"/>
+              <a:t>Fifth level</a:t>
             </a:r>
             <a:endParaRPr lang="en-US" dirty="0"/>
           </a:p>
@@ -2402,15 +2402,15 @@
           <a:p>
             <a:pPr lvl="0"/>
             <a:r>
-              <a:rPr lang="ru-RU" smtClean="0"/>
-              <a:t>Образец текста</a:t>
-            </a:r>
-          </a:p>
-        </p:txBody>
-      </p:sp>
-      <p:sp>
-        <p:nvSpPr>
-          <p:cNvPr id="8" name="Дата 4"/>
+              <a:rPr lang="en-US" smtClean="0"/>
+              <a:t>Click to edit Master text styles</a:t>
+            </a:r>
+          </a:p>
+        </p:txBody>
+      </p:sp>
+      <p:sp>
+        <p:nvSpPr>
+          <p:cNvPr id="8" name="Date Placeholder 4"/>
           <p:cNvSpPr>
             <a:spLocks noGrp="1"/>
           </p:cNvSpPr>
@@ -2440,17 +2440,17 @@
           </a:lstStyle>
           <a:p>
             <a:fld id="{51E84241-D031-42DE-84E4-CC10C30232F4}" type="datetimeFigureOut">
-              <a:rPr lang="ru-RU" smtClean="0"/>
+              <a:rPr lang="en-US" smtClean="0"/>
               <a:pPr/>
               <a:t>22.10.2013</a:t>
             </a:fld>
-            <a:endParaRPr lang="ru-RU" dirty="0"/>
-          </a:p>
-        </p:txBody>
-      </p:sp>
-      <p:sp>
-        <p:nvSpPr>
-          <p:cNvPr id="9" name="Нижний колонтитул 5"/>
+            <a:endParaRPr lang="en-US" dirty="0"/>
+          </a:p>
+        </p:txBody>
+      </p:sp>
+      <p:sp>
+        <p:nvSpPr>
+          <p:cNvPr id="9" name="Footer Placeholder 5"/>
           <p:cNvSpPr>
             <a:spLocks noGrp="1"/>
           </p:cNvSpPr>
@@ -2479,13 +2479,13 @@
             </a:lvl1pPr>
           </a:lstStyle>
           <a:p>
-            <a:endParaRPr lang="ru-RU"/>
-          </a:p>
-        </p:txBody>
-      </p:sp>
-      <p:sp>
-        <p:nvSpPr>
-          <p:cNvPr id="10" name="Номер слайда 6"/>
+            <a:endParaRPr lang="en-US"/>
+          </a:p>
+        </p:txBody>
+      </p:sp>
+      <p:sp>
+        <p:nvSpPr>
+          <p:cNvPr id="10" name="Slide Number Placeholder 6"/>
           <p:cNvSpPr>
             <a:spLocks noGrp="1"/>
           </p:cNvSpPr>
@@ -2515,11 +2515,11 @@
           </a:lstStyle>
           <a:p>
             <a:fld id="{6B5AA3AA-5EA9-4976-BF6C-9891F6110747}" type="slidenum">
-              <a:rPr lang="ru-RU" smtClean="0"/>
+              <a:rPr lang="en-US" smtClean="0"/>
               <a:pPr/>
               <a:t>‹#›</a:t>
             </a:fld>
-            <a:endParaRPr lang="ru-RU"/>
+            <a:endParaRPr lang="en-US"/>
           </a:p>
         </p:txBody>
       </p:sp>
@@ -2594,8 +2594,8 @@
           </a:lstStyle>
           <a:p>
             <a:r>
-              <a:rPr lang="ru-RU" smtClean="0"/>
-              <a:t>Образец заголовка</a:t>
+              <a:rPr lang="en-US" smtClean="0"/>
+              <a:t>Click to edit Master title style</a:t>
             </a:r>
             <a:endParaRPr lang="en-US"/>
           </a:p>
@@ -2662,8 +2662,8 @@
           <a:p>
             <a:pPr lvl="0"/>
             <a:r>
-              <a:rPr lang="ru-RU" smtClean="0"/>
-              <a:t>Образец текста</a:t>
+              <a:rPr lang="en-US" smtClean="0"/>
+              <a:t>Click to edit Master text styles</a:t>
             </a:r>
           </a:p>
         </p:txBody>
@@ -2689,7 +2689,7 @@
           <a:lstStyle>
             <a:lvl1pPr marL="0" indent="0" eaLnBrk="1" latinLnBrk="0" hangingPunct="1">
               <a:buNone/>
-              <a:defRPr kumimoji="0" lang="ru-RU" sz="3200">
+              <a:defRPr kumimoji="0" lang="en-US" sz="3200">
                 <a:solidFill>
                   <a:schemeClr val="accent1">
                     <a:lumMod val="75000"/>
@@ -2699,42 +2699,42 @@
             </a:lvl1pPr>
             <a:lvl2pPr marL="457200" indent="0" eaLnBrk="1" latinLnBrk="0" hangingPunct="1">
               <a:buNone/>
-              <a:defRPr kumimoji="0" lang="ru-RU" sz="2800"/>
+              <a:defRPr kumimoji="0" lang="en-US" sz="2800"/>
             </a:lvl2pPr>
             <a:lvl3pPr marL="914400" indent="0" eaLnBrk="1" latinLnBrk="0" hangingPunct="1">
               <a:buNone/>
-              <a:defRPr kumimoji="0" lang="ru-RU" sz="2400"/>
+              <a:defRPr kumimoji="0" lang="en-US" sz="2400"/>
             </a:lvl3pPr>
             <a:lvl4pPr marL="1371600" indent="0" eaLnBrk="1" latinLnBrk="0" hangingPunct="1">
               <a:buNone/>
-              <a:defRPr kumimoji="0" lang="ru-RU" sz="2000"/>
+              <a:defRPr kumimoji="0" lang="en-US" sz="2000"/>
             </a:lvl4pPr>
             <a:lvl5pPr marL="1828800" indent="0" eaLnBrk="1" latinLnBrk="0" hangingPunct="1">
               <a:buNone/>
-              <a:defRPr kumimoji="0" lang="ru-RU" sz="2000"/>
+              <a:defRPr kumimoji="0" lang="en-US" sz="2000"/>
             </a:lvl5pPr>
             <a:lvl6pPr marL="2286000" indent="0" eaLnBrk="1" latinLnBrk="0" hangingPunct="1">
               <a:buNone/>
-              <a:defRPr kumimoji="0" lang="ru-RU" sz="2000"/>
+              <a:defRPr kumimoji="0" lang="en-US" sz="2000"/>
             </a:lvl6pPr>
             <a:lvl7pPr marL="2743200" indent="0" eaLnBrk="1" latinLnBrk="0" hangingPunct="1">
               <a:buNone/>
-              <a:defRPr kumimoji="0" lang="ru-RU" sz="2000"/>
+              <a:defRPr kumimoji="0" lang="en-US" sz="2000"/>
             </a:lvl7pPr>
             <a:lvl8pPr marL="3200400" indent="0" eaLnBrk="1" latinLnBrk="0" hangingPunct="1">
               <a:buNone/>
-              <a:defRPr kumimoji="0" lang="ru-RU" sz="2000"/>
+              <a:defRPr kumimoji="0" lang="en-US" sz="2000"/>
             </a:lvl8pPr>
             <a:lvl9pPr marL="3657600" indent="0" eaLnBrk="1" latinLnBrk="0" hangingPunct="1">
               <a:buNone/>
-              <a:defRPr kumimoji="0" lang="ru-RU" sz="2000"/>
+              <a:defRPr kumimoji="0" lang="en-US" sz="2000"/>
             </a:lvl9pPr>
           </a:lstStyle>
           <a:p>
             <a:pPr eaLnBrk="1" latinLnBrk="0" hangingPunct="1"/>
             <a:r>
-              <a:rPr lang="ru-RU" smtClean="0"/>
-              <a:t>Вставка рисунка</a:t>
+              <a:rPr lang="en-US" smtClean="0"/>
+              <a:t>Click icon to add picture</a:t>
             </a:r>
             <a:endParaRPr dirty="0"/>
           </a:p>
@@ -2742,7 +2742,7 @@
       </p:sp>
       <p:sp>
         <p:nvSpPr>
-          <p:cNvPr id="8" name="Дата 4"/>
+          <p:cNvPr id="8" name="Date Placeholder 4"/>
           <p:cNvSpPr>
             <a:spLocks noGrp="1"/>
           </p:cNvSpPr>
@@ -2772,17 +2772,17 @@
           </a:lstStyle>
           <a:p>
             <a:fld id="{51E84241-D031-42DE-84E4-CC10C30232F4}" type="datetimeFigureOut">
-              <a:rPr lang="ru-RU" smtClean="0"/>
+              <a:rPr lang="en-US" smtClean="0"/>
               <a:pPr/>
               <a:t>22.10.2013</a:t>
             </a:fld>
-            <a:endParaRPr lang="ru-RU" dirty="0"/>
-          </a:p>
-        </p:txBody>
-      </p:sp>
-      <p:sp>
-        <p:nvSpPr>
-          <p:cNvPr id="9" name="Нижний колонтитул 5"/>
+            <a:endParaRPr lang="en-US" dirty="0"/>
+          </a:p>
+        </p:txBody>
+      </p:sp>
+      <p:sp>
+        <p:nvSpPr>
+          <p:cNvPr id="9" name="Footer Placeholder 5"/>
           <p:cNvSpPr>
             <a:spLocks noGrp="1"/>
           </p:cNvSpPr>
@@ -2811,13 +2811,13 @@
             </a:lvl1pPr>
           </a:lstStyle>
           <a:p>
-            <a:endParaRPr lang="ru-RU"/>
-          </a:p>
-        </p:txBody>
-      </p:sp>
-      <p:sp>
-        <p:nvSpPr>
-          <p:cNvPr id="10" name="Номер слайда 6"/>
+            <a:endParaRPr lang="en-US"/>
+          </a:p>
+        </p:txBody>
+      </p:sp>
+      <p:sp>
+        <p:nvSpPr>
+          <p:cNvPr id="10" name="Slide Number Placeholder 6"/>
           <p:cNvSpPr>
             <a:spLocks noGrp="1"/>
           </p:cNvSpPr>
@@ -2847,11 +2847,11 @@
           </a:lstStyle>
           <a:p>
             <a:fld id="{6B5AA3AA-5EA9-4976-BF6C-9891F6110747}" type="slidenum">
-              <a:rPr lang="ru-RU" smtClean="0"/>
+              <a:rPr lang="en-US" smtClean="0"/>
               <a:pPr/>
               <a:t>‹#›</a:t>
             </a:fld>
-            <a:endParaRPr lang="ru-RU"/>
+            <a:endParaRPr lang="en-US"/>
           </a:p>
         </p:txBody>
       </p:sp>
@@ -2927,8 +2927,8 @@
           <a:lstStyle/>
           <a:p>
             <a:r>
-              <a:rPr lang="ru-RU" dirty="0" smtClean="0"/>
-              <a:t>Образец заголовка</a:t>
+              <a:rPr lang="en-US" dirty="0" smtClean="0"/>
+              <a:t>Click to edit Master title style</a:t>
             </a:r>
             <a:endParaRPr lang="en-US" dirty="0"/>
           </a:p>
@@ -2961,36 +2961,36 @@
           <a:p>
             <a:pPr lvl="0"/>
             <a:r>
-              <a:rPr lang="ru-RU" dirty="0" smtClean="0"/>
-              <a:t>Образец текста</a:t>
+              <a:rPr lang="en-US" dirty="0" smtClean="0"/>
+              <a:t>Click to edit Master text styles</a:t>
             </a:r>
           </a:p>
           <a:p>
             <a:pPr lvl="1"/>
             <a:r>
-              <a:rPr lang="ru-RU" dirty="0" smtClean="0"/>
-              <a:t>Второй уровень</a:t>
+              <a:rPr lang="en-US" dirty="0" smtClean="0"/>
+              <a:t>Second level</a:t>
             </a:r>
           </a:p>
           <a:p>
             <a:pPr lvl="2"/>
             <a:r>
-              <a:rPr lang="ru-RU" dirty="0" smtClean="0"/>
-              <a:t>Третий уровень</a:t>
+              <a:rPr lang="en-US" dirty="0" smtClean="0"/>
+              <a:t>Third level</a:t>
             </a:r>
           </a:p>
           <a:p>
             <a:pPr lvl="3"/>
             <a:r>
-              <a:rPr lang="ru-RU" dirty="0" smtClean="0"/>
-              <a:t>Четвертый уровень</a:t>
+              <a:rPr lang="en-US" dirty="0" smtClean="0"/>
+              <a:t>Fourth level</a:t>
             </a:r>
           </a:p>
           <a:p>
             <a:pPr lvl="4"/>
             <a:r>
-              <a:rPr lang="ru-RU" dirty="0" smtClean="0"/>
-              <a:t>Пятый уровень</a:t>
+              <a:rPr lang="en-US" dirty="0" smtClean="0"/>
+              <a:t>Fifth level</a:t>
             </a:r>
             <a:endParaRPr lang="en-US" dirty="0"/>
           </a:p>
@@ -2998,7 +2998,7 @@
       </p:sp>
       <p:sp>
         <p:nvSpPr>
-          <p:cNvPr id="8" name="Дата 4"/>
+          <p:cNvPr id="8" name="Date Placeholder 4"/>
           <p:cNvSpPr>
             <a:spLocks noGrp="1"/>
           </p:cNvSpPr>
@@ -3028,17 +3028,17 @@
           </a:lstStyle>
           <a:p>
             <a:fld id="{51E84241-D031-42DE-84E4-CC10C30232F4}" type="datetimeFigureOut">
-              <a:rPr lang="ru-RU" smtClean="0"/>
+              <a:rPr lang="en-US" smtClean="0"/>
               <a:pPr/>
               <a:t>22.10.2013</a:t>
             </a:fld>
-            <a:endParaRPr lang="ru-RU" dirty="0"/>
-          </a:p>
-        </p:txBody>
-      </p:sp>
-      <p:sp>
-        <p:nvSpPr>
-          <p:cNvPr id="9" name="Нижний колонтитул 5"/>
+            <a:endParaRPr lang="en-US" dirty="0"/>
+          </a:p>
+        </p:txBody>
+      </p:sp>
+      <p:sp>
+        <p:nvSpPr>
+          <p:cNvPr id="9" name="Footer Placeholder 5"/>
           <p:cNvSpPr>
             <a:spLocks noGrp="1"/>
           </p:cNvSpPr>
@@ -3067,13 +3067,13 @@
             </a:lvl1pPr>
           </a:lstStyle>
           <a:p>
-            <a:endParaRPr lang="ru-RU"/>
-          </a:p>
-        </p:txBody>
-      </p:sp>
-      <p:sp>
-        <p:nvSpPr>
-          <p:cNvPr id="10" name="Номер слайда 6"/>
+            <a:endParaRPr lang="en-US"/>
+          </a:p>
+        </p:txBody>
+      </p:sp>
+      <p:sp>
+        <p:nvSpPr>
+          <p:cNvPr id="10" name="Slide Number Placeholder 6"/>
           <p:cNvSpPr>
             <a:spLocks noGrp="1"/>
           </p:cNvSpPr>
@@ -3103,11 +3103,11 @@
           </a:lstStyle>
           <a:p>
             <a:fld id="{6B5AA3AA-5EA9-4976-BF6C-9891F6110747}" type="slidenum">
-              <a:rPr lang="ru-RU" smtClean="0"/>
+              <a:rPr lang="en-US" smtClean="0"/>
               <a:pPr/>
               <a:t>‹#›</a:t>
             </a:fld>
-            <a:endParaRPr lang="ru-RU"/>
+            <a:endParaRPr lang="en-US"/>
           </a:p>
         </p:txBody>
       </p:sp>
@@ -3487,7 +3487,7 @@
       </p:grpSpPr>
       <p:sp>
         <p:nvSpPr>
-          <p:cNvPr id="2" name="Заголовок 1"/>
+          <p:cNvPr id="2" name="Title 1"/>
           <p:cNvSpPr>
             <a:spLocks noGrp="1"/>
           </p:cNvSpPr>
@@ -3505,13 +3505,13 @@
           <a:bodyPr/>
           <a:lstStyle/>
           <a:p>
-            <a:endParaRPr lang="ru-RU" dirty="0"/>
-          </a:p>
-        </p:txBody>
-      </p:sp>
-      <p:sp>
-        <p:nvSpPr>
-          <p:cNvPr id="3" name="Подзаголовок 2"/>
+            <a:endParaRPr lang="en-US" dirty="0"/>
+          </a:p>
+        </p:txBody>
+      </p:sp>
+      <p:sp>
+        <p:nvSpPr>
+          <p:cNvPr id="3" name="Subtitle 2"/>
           <p:cNvSpPr>
             <a:spLocks noGrp="1"/>
           </p:cNvSpPr>
@@ -3529,7 +3529,7 @@
           <a:bodyPr/>
           <a:lstStyle/>
           <a:p>
-            <a:endParaRPr lang="ru-RU" dirty="0"/>
+            <a:endParaRPr lang="en-US" dirty="0"/>
           </a:p>
         </p:txBody>
       </p:sp>
@@ -3606,7 +3606,7 @@
         <a:cs typeface=""/>
       </a:minorFont>
     </a:fontScheme>
-    <a:fmtScheme name="Твердый переплет">
+    <a:fmtScheme name="Hardcover">
       <a:fillStyleLst>
         <a:solidFill>
           <a:schemeClr val="phClr"/>
